--- a/사전 자료/3조 ppt.pptx
+++ b/사전 자료/3조 ppt.pptx
@@ -239,7 +239,7 @@
           <a:p>
             <a:fld id="{0125E660-5C57-459B-9AFF-3367CBFE6F94}" type="datetimeFigureOut">
               <a:rPr lang="ko-KR" altLang="en-US" smtClean="0"/>
-              <a:t>2020-11-27</a:t>
+              <a:t>2020-12-12</a:t>
             </a:fld>
             <a:endParaRPr lang="ko-KR" altLang="en-US"/>
           </a:p>
@@ -3310,7 +3310,7 @@
           <a:p>
             <a:r>
               <a:rPr lang="en-US" altLang="ko-KR" sz="2000" dirty="0"/>
-              <a:t>201544   </a:t>
+              <a:t>201544090   </a:t>
             </a:r>
             <a:r>
               <a:rPr lang="ko-KR" altLang="en-US" sz="2000" dirty="0" err="1"/>

--- a/사전 자료/3조 ppt.pptx
+++ b/사전 자료/3조 ppt.pptx
@@ -6366,7 +6366,7 @@
         </p:nvSpPr>
         <p:spPr>
           <a:xfrm>
-            <a:off x="3724977" y="1371784"/>
+            <a:off x="3724976" y="1381020"/>
             <a:ext cx="1694045" cy="693019"/>
           </a:xfrm>
           <a:prstGeom prst="roundRect">
@@ -6374,8 +6374,8 @@
           </a:prstGeom>
           <a:solidFill>
             <a:schemeClr val="accent4">
-              <a:lumMod val="60000"/>
-              <a:lumOff val="40000"/>
+              <a:lumMod val="40000"/>
+              <a:lumOff val="60000"/>
             </a:schemeClr>
           </a:solidFill>
         </p:spPr>
@@ -6401,10 +6401,18 @@
           <a:p>
             <a:pPr algn="ctr"/>
             <a:r>
-              <a:rPr lang="ko-KR" altLang="en-US" dirty="0" err="1"/>
+              <a:rPr lang="ko-KR" altLang="en-US" sz="1400" b="1" dirty="0" err="1">
+                <a:solidFill>
+                  <a:schemeClr val="tx1"/>
+                </a:solidFill>
+              </a:rPr>
               <a:t>라즈베리파이</a:t>
             </a:r>
-            <a:endParaRPr lang="ko-KR" altLang="en-US" dirty="0"/>
+            <a:endParaRPr lang="ko-KR" altLang="en-US" sz="1400" b="1" dirty="0">
+              <a:solidFill>
+                <a:schemeClr val="tx1"/>
+              </a:solidFill>
+            </a:endParaRPr>
           </a:p>
         </p:txBody>
       </p:sp>
@@ -6424,8 +6432,8 @@
           </a:prstGeom>
           <a:solidFill>
             <a:schemeClr val="accent4">
-              <a:lumMod val="60000"/>
-              <a:lumOff val="40000"/>
+              <a:lumMod val="40000"/>
+              <a:lumOff val="60000"/>
             </a:schemeClr>
           </a:solidFill>
         </p:spPr>
@@ -6451,10 +6459,18 @@
           <a:p>
             <a:pPr algn="ctr"/>
             <a:r>
-              <a:rPr lang="ko-KR" altLang="en-US" b="1" dirty="0" err="1"/>
+              <a:rPr lang="ko-KR" altLang="en-US" sz="1400" b="1" dirty="0" err="1">
+                <a:solidFill>
+                  <a:schemeClr val="tx1"/>
+                </a:solidFill>
+              </a:rPr>
               <a:t>아두이노</a:t>
             </a:r>
-            <a:endParaRPr lang="ko-KR" altLang="en-US" b="1" dirty="0"/>
+            <a:endParaRPr lang="ko-KR" altLang="en-US" sz="1400" b="1" dirty="0">
+              <a:solidFill>
+                <a:schemeClr val="tx1"/>
+              </a:solidFill>
+            </a:endParaRPr>
           </a:p>
         </p:txBody>
       </p:sp>
@@ -6474,8 +6490,8 @@
           </a:prstGeom>
           <a:solidFill>
             <a:schemeClr val="accent4">
-              <a:lumMod val="60000"/>
-              <a:lumOff val="40000"/>
+              <a:lumMod val="40000"/>
+              <a:lumOff val="60000"/>
             </a:schemeClr>
           </a:solidFill>
         </p:spPr>
@@ -6501,8 +6517,12 @@
           <a:p>
             <a:pPr algn="ctr"/>
             <a:r>
-              <a:rPr lang="ko-KR" altLang="en-US" dirty="0"/>
-              <a:t>수분센서</a:t>
+              <a:rPr lang="ko-KR" altLang="en-US" sz="1400" b="1" dirty="0">
+                <a:solidFill>
+                  <a:schemeClr val="tx1"/>
+                </a:solidFill>
+              </a:rPr>
+              <a:t>수분 감지 센서</a:t>
             </a:r>
           </a:p>
         </p:txBody>
@@ -6523,8 +6543,8 @@
           </a:prstGeom>
           <a:solidFill>
             <a:schemeClr val="accent4">
-              <a:lumMod val="60000"/>
-              <a:lumOff val="40000"/>
+              <a:lumMod val="40000"/>
+              <a:lumOff val="60000"/>
             </a:schemeClr>
           </a:solidFill>
         </p:spPr>
@@ -6550,11 +6570,19 @@
           <a:p>
             <a:pPr algn="ctr"/>
             <a:r>
-              <a:rPr lang="ko-KR" altLang="en-US" b="1" dirty="0" err="1"/>
+              <a:rPr lang="ko-KR" altLang="en-US" sz="1400" b="1" dirty="0" err="1">
+                <a:solidFill>
+                  <a:schemeClr val="tx1"/>
+                </a:solidFill>
+              </a:rPr>
               <a:t>텔레그램</a:t>
             </a:r>
             <a:r>
-              <a:rPr lang="ko-KR" altLang="en-US" b="1" dirty="0"/>
+              <a:rPr lang="ko-KR" altLang="en-US" sz="1400" b="1" dirty="0">
+                <a:solidFill>
+                  <a:schemeClr val="tx1"/>
+                </a:solidFill>
+              </a:rPr>
               <a:t> 연동</a:t>
             </a:r>
           </a:p>
@@ -6571,8 +6599,8 @@
         </p:nvCxnSpPr>
         <p:spPr>
           <a:xfrm rot="5400000">
-            <a:off x="3400153" y="1542606"/>
-            <a:ext cx="649651" cy="1694045"/>
+            <a:off x="3404770" y="1547224"/>
+            <a:ext cx="640415" cy="1694044"/>
           </a:xfrm>
           <a:prstGeom prst="bentConnector3">
             <a:avLst/>
@@ -6607,8 +6635,8 @@
         </p:nvCxnSpPr>
         <p:spPr>
           <a:xfrm rot="16200000" flipH="1">
-            <a:off x="5098206" y="1538597"/>
-            <a:ext cx="649650" cy="1702062"/>
+            <a:off x="5102823" y="1543214"/>
+            <a:ext cx="640414" cy="1702063"/>
           </a:xfrm>
           <a:prstGeom prst="bentConnector3">
             <a:avLst/>
@@ -6690,8 +6718,8 @@
           </a:prstGeom>
           <a:solidFill>
             <a:schemeClr val="accent4">
-              <a:lumMod val="60000"/>
-              <a:lumOff val="40000"/>
+              <a:lumMod val="40000"/>
+              <a:lumOff val="60000"/>
             </a:schemeClr>
           </a:solidFill>
         </p:spPr>
@@ -6717,8 +6745,12 @@
           <a:p>
             <a:pPr algn="ctr"/>
             <a:r>
-              <a:rPr lang="ko-KR" altLang="en-US" dirty="0"/>
-              <a:t>워터펌프</a:t>
+              <a:rPr lang="ko-KR" altLang="en-US" sz="1400" b="1" dirty="0">
+                <a:solidFill>
+                  <a:schemeClr val="tx1"/>
+                </a:solidFill>
+              </a:rPr>
+              <a:t>워터 펌프</a:t>
             </a:r>
           </a:p>
         </p:txBody>
@@ -6786,8 +6818,8 @@
           </a:prstGeom>
           <a:solidFill>
             <a:schemeClr val="accent4">
-              <a:lumMod val="60000"/>
-              <a:lumOff val="40000"/>
+              <a:lumMod val="40000"/>
+              <a:lumOff val="60000"/>
             </a:schemeClr>
           </a:solidFill>
         </p:spPr>
@@ -6813,10 +6845,34 @@
           <a:p>
             <a:pPr algn="ctr"/>
             <a:r>
-              <a:rPr lang="ko-KR" altLang="en-US" dirty="0"/>
-              <a:t>메시지 전송</a:t>
-            </a:r>
-            <a:endParaRPr lang="en-US" altLang="ko-KR" dirty="0"/>
+              <a:rPr lang="ko-KR" altLang="en-US" sz="1400" b="1" dirty="0">
+                <a:solidFill>
+                  <a:schemeClr val="tx1"/>
+                </a:solidFill>
+              </a:rPr>
+              <a:t>메시지</a:t>
+            </a:r>
+            <a:r>
+              <a:rPr lang="en-US" altLang="ko-KR" sz="1400" b="1" dirty="0">
+                <a:solidFill>
+                  <a:schemeClr val="tx1"/>
+                </a:solidFill>
+              </a:rPr>
+              <a:t>, </a:t>
+            </a:r>
+            <a:r>
+              <a:rPr lang="ko-KR" altLang="en-US" sz="1400" b="1" dirty="0">
+                <a:solidFill>
+                  <a:schemeClr val="tx1"/>
+                </a:solidFill>
+              </a:rPr>
+              <a:t>사진 전송</a:t>
+            </a:r>
+            <a:endParaRPr lang="en-US" altLang="ko-KR" sz="1400" b="1" dirty="0">
+              <a:solidFill>
+                <a:schemeClr val="tx1"/>
+              </a:solidFill>
+            </a:endParaRPr>
           </a:p>
         </p:txBody>
       </p:sp>
